--- a/figure/dag.pptx
+++ b/figure/dag.pptx
@@ -7,6 +7,7 @@
   <p:sldIdLst>
     <p:sldId id="256" r:id="rId2"/>
     <p:sldId id="257" r:id="rId3"/>
+    <p:sldId id="258" r:id="rId4"/>
   </p:sldIdLst>
   <p:sldSz cx="9144000" cy="6858000" type="screen4x3"/>
   <p:notesSz cx="6858000" cy="9144000"/>
@@ -289,7 +290,7 @@
           <a:p>
             <a:fld id="{9B4E7E55-DEF9-F146-9A51-7945C7879981}" type="datetimeFigureOut">
               <a:rPr lang="en-US" smtClean="0"/>
-              <a:t>7/7/14</a:t>
+              <a:t>10/24/14</a:t>
             </a:fld>
             <a:endParaRPr lang="en-US"/>
           </a:p>
@@ -459,7 +460,7 @@
           <a:p>
             <a:fld id="{9B4E7E55-DEF9-F146-9A51-7945C7879981}" type="datetimeFigureOut">
               <a:rPr lang="en-US" smtClean="0"/>
-              <a:t>7/7/14</a:t>
+              <a:t>10/24/14</a:t>
             </a:fld>
             <a:endParaRPr lang="en-US"/>
           </a:p>
@@ -639,7 +640,7 @@
           <a:p>
             <a:fld id="{9B4E7E55-DEF9-F146-9A51-7945C7879981}" type="datetimeFigureOut">
               <a:rPr lang="en-US" smtClean="0"/>
-              <a:t>7/7/14</a:t>
+              <a:t>10/24/14</a:t>
             </a:fld>
             <a:endParaRPr lang="en-US"/>
           </a:p>
@@ -809,7 +810,7 @@
           <a:p>
             <a:fld id="{9B4E7E55-DEF9-F146-9A51-7945C7879981}" type="datetimeFigureOut">
               <a:rPr lang="en-US" smtClean="0"/>
-              <a:t>7/7/14</a:t>
+              <a:t>10/24/14</a:t>
             </a:fld>
             <a:endParaRPr lang="en-US"/>
           </a:p>
@@ -1055,7 +1056,7 @@
           <a:p>
             <a:fld id="{9B4E7E55-DEF9-F146-9A51-7945C7879981}" type="datetimeFigureOut">
               <a:rPr lang="en-US" smtClean="0"/>
-              <a:t>7/7/14</a:t>
+              <a:t>10/24/14</a:t>
             </a:fld>
             <a:endParaRPr lang="en-US"/>
           </a:p>
@@ -1343,7 +1344,7 @@
           <a:p>
             <a:fld id="{9B4E7E55-DEF9-F146-9A51-7945C7879981}" type="datetimeFigureOut">
               <a:rPr lang="en-US" smtClean="0"/>
-              <a:t>7/7/14</a:t>
+              <a:t>10/24/14</a:t>
             </a:fld>
             <a:endParaRPr lang="en-US"/>
           </a:p>
@@ -1765,7 +1766,7 @@
           <a:p>
             <a:fld id="{9B4E7E55-DEF9-F146-9A51-7945C7879981}" type="datetimeFigureOut">
               <a:rPr lang="en-US" smtClean="0"/>
-              <a:t>7/7/14</a:t>
+              <a:t>10/24/14</a:t>
             </a:fld>
             <a:endParaRPr lang="en-US"/>
           </a:p>
@@ -1883,7 +1884,7 @@
           <a:p>
             <a:fld id="{9B4E7E55-DEF9-F146-9A51-7945C7879981}" type="datetimeFigureOut">
               <a:rPr lang="en-US" smtClean="0"/>
-              <a:t>7/7/14</a:t>
+              <a:t>10/24/14</a:t>
             </a:fld>
             <a:endParaRPr lang="en-US"/>
           </a:p>
@@ -1978,7 +1979,7 @@
           <a:p>
             <a:fld id="{9B4E7E55-DEF9-F146-9A51-7945C7879981}" type="datetimeFigureOut">
               <a:rPr lang="en-US" smtClean="0"/>
-              <a:t>7/7/14</a:t>
+              <a:t>10/24/14</a:t>
             </a:fld>
             <a:endParaRPr lang="en-US"/>
           </a:p>
@@ -2255,7 +2256,7 @@
           <a:p>
             <a:fld id="{9B4E7E55-DEF9-F146-9A51-7945C7879981}" type="datetimeFigureOut">
               <a:rPr lang="en-US" smtClean="0"/>
-              <a:t>7/7/14</a:t>
+              <a:t>10/24/14</a:t>
             </a:fld>
             <a:endParaRPr lang="en-US"/>
           </a:p>
@@ -2508,7 +2509,7 @@
           <a:p>
             <a:fld id="{9B4E7E55-DEF9-F146-9A51-7945C7879981}" type="datetimeFigureOut">
               <a:rPr lang="en-US" smtClean="0"/>
-              <a:t>7/7/14</a:t>
+              <a:t>10/24/14</a:t>
             </a:fld>
             <a:endParaRPr lang="en-US"/>
           </a:p>
@@ -2721,7 +2722,7 @@
           <a:p>
             <a:fld id="{9B4E7E55-DEF9-F146-9A51-7945C7879981}" type="datetimeFigureOut">
               <a:rPr lang="en-US" smtClean="0"/>
-              <a:t>7/7/14</a:t>
+              <a:t>10/24/14</a:t>
             </a:fld>
             <a:endParaRPr lang="en-US"/>
           </a:p>
@@ -5817,6 +5818,1299 @@
     <p:extLst>
       <p:ext uri="{BB962C8B-B14F-4D97-AF65-F5344CB8AC3E}">
         <p14:creationId xmlns:p14="http://schemas.microsoft.com/office/powerpoint/2010/main" val="1103045355"/>
+      </p:ext>
+    </p:extLst>
+  </p:cSld>
+  <p:clrMapOvr>
+    <a:masterClrMapping/>
+  </p:clrMapOvr>
+</p:sld>
+</file>
+
+<file path=ppt/slides/slide3.xml><?xml version="1.0" encoding="utf-8"?>
+<p:sld xmlns:a="http://schemas.openxmlformats.org/drawingml/2006/main" xmlns:r="http://schemas.openxmlformats.org/officeDocument/2006/relationships" xmlns:p="http://schemas.openxmlformats.org/presentationml/2006/main">
+  <p:cSld>
+    <p:spTree>
+      <p:nvGrpSpPr>
+        <p:cNvPr id="1" name=""/>
+        <p:cNvGrpSpPr/>
+        <p:nvPr/>
+      </p:nvGrpSpPr>
+      <p:grpSpPr>
+        <a:xfrm>
+          <a:off x="0" y="0"/>
+          <a:ext cx="0" cy="0"/>
+          <a:chOff x="0" y="0"/>
+          <a:chExt cx="0" cy="0"/>
+        </a:xfrm>
+      </p:grpSpPr>
+      <p:cxnSp>
+        <p:nvCxnSpPr>
+          <p:cNvPr id="5" name="Straight Connector 4"/>
+          <p:cNvCxnSpPr/>
+          <p:nvPr/>
+        </p:nvCxnSpPr>
+        <p:spPr>
+          <a:xfrm>
+            <a:off x="3059043" y="1562120"/>
+            <a:ext cx="0" cy="4738646"/>
+          </a:xfrm>
+          <a:prstGeom prst="line">
+            <a:avLst/>
+          </a:prstGeom>
+          <a:ln>
+            <a:solidFill>
+              <a:schemeClr val="tx1"/>
+            </a:solidFill>
+            <a:prstDash val="dash"/>
+          </a:ln>
+          <a:effectLst/>
+        </p:spPr>
+        <p:style>
+          <a:lnRef idx="2">
+            <a:schemeClr val="accent1"/>
+          </a:lnRef>
+          <a:fillRef idx="0">
+            <a:schemeClr val="accent1"/>
+          </a:fillRef>
+          <a:effectRef idx="1">
+            <a:schemeClr val="accent1"/>
+          </a:effectRef>
+          <a:fontRef idx="minor">
+            <a:schemeClr val="tx1"/>
+          </a:fontRef>
+        </p:style>
+      </p:cxnSp>
+      <p:sp>
+        <p:nvSpPr>
+          <p:cNvPr id="6" name="TextBox 5"/>
+          <p:cNvSpPr txBox="1"/>
+          <p:nvPr/>
+        </p:nvSpPr>
+        <p:spPr>
+          <a:xfrm>
+            <a:off x="2270741" y="1025616"/>
+            <a:ext cx="1534945" cy="369332"/>
+          </a:xfrm>
+          <a:prstGeom prst="rect">
+            <a:avLst/>
+          </a:prstGeom>
+          <a:noFill/>
+        </p:spPr>
+        <p:txBody>
+          <a:bodyPr wrap="none" rtlCol="0">
+            <a:spAutoFit/>
+          </a:bodyPr>
+          <a:lstStyle/>
+          <a:p>
+            <a:r>
+              <a:rPr lang="en-US" dirty="0" smtClean="0"/>
+              <a:t>ICU Admission</a:t>
+            </a:r>
+            <a:endParaRPr lang="en-US" dirty="0"/>
+          </a:p>
+        </p:txBody>
+      </p:sp>
+      <p:sp>
+        <p:nvSpPr>
+          <p:cNvPr id="7" name="Oval 6"/>
+          <p:cNvSpPr/>
+          <p:nvPr/>
+        </p:nvSpPr>
+        <p:spPr>
+          <a:xfrm>
+            <a:off x="640522" y="2012527"/>
+            <a:ext cx="1982353" cy="795131"/>
+          </a:xfrm>
+          <a:prstGeom prst="ellipse">
+            <a:avLst/>
+          </a:prstGeom>
+          <a:noFill/>
+          <a:ln>
+            <a:solidFill>
+              <a:schemeClr val="tx1"/>
+            </a:solidFill>
+          </a:ln>
+          <a:effectLst/>
+        </p:spPr>
+        <p:style>
+          <a:lnRef idx="1">
+            <a:schemeClr val="accent1"/>
+          </a:lnRef>
+          <a:fillRef idx="3">
+            <a:schemeClr val="accent1"/>
+          </a:fillRef>
+          <a:effectRef idx="2">
+            <a:schemeClr val="accent1"/>
+          </a:effectRef>
+          <a:fontRef idx="minor">
+            <a:schemeClr val="lt1"/>
+          </a:fontRef>
+        </p:style>
+        <p:txBody>
+          <a:bodyPr rtlCol="0" anchor="ctr"/>
+          <a:lstStyle/>
+          <a:p>
+            <a:pPr algn="ctr"/>
+            <a:r>
+              <a:rPr lang="en-US" dirty="0" err="1" smtClean="0">
+                <a:solidFill>
+                  <a:schemeClr val="tx1"/>
+                </a:solidFill>
+              </a:rPr>
+              <a:t>Elixhauser</a:t>
+            </a:r>
+            <a:endParaRPr lang="en-US" dirty="0">
+              <a:solidFill>
+                <a:schemeClr val="tx1"/>
+              </a:solidFill>
+            </a:endParaRPr>
+          </a:p>
+        </p:txBody>
+      </p:sp>
+      <p:sp>
+        <p:nvSpPr>
+          <p:cNvPr id="8" name="Oval 7"/>
+          <p:cNvSpPr/>
+          <p:nvPr/>
+        </p:nvSpPr>
+        <p:spPr>
+          <a:xfrm>
+            <a:off x="962138" y="3354999"/>
+            <a:ext cx="1308603" cy="795131"/>
+          </a:xfrm>
+          <a:prstGeom prst="ellipse">
+            <a:avLst/>
+          </a:prstGeom>
+          <a:noFill/>
+          <a:ln>
+            <a:solidFill>
+              <a:schemeClr val="tx1"/>
+            </a:solidFill>
+          </a:ln>
+          <a:effectLst/>
+        </p:spPr>
+        <p:style>
+          <a:lnRef idx="1">
+            <a:schemeClr val="accent1"/>
+          </a:lnRef>
+          <a:fillRef idx="3">
+            <a:schemeClr val="accent1"/>
+          </a:fillRef>
+          <a:effectRef idx="2">
+            <a:schemeClr val="accent1"/>
+          </a:effectRef>
+          <a:fontRef idx="minor">
+            <a:schemeClr val="lt1"/>
+          </a:fontRef>
+        </p:style>
+        <p:txBody>
+          <a:bodyPr rtlCol="0" anchor="ctr"/>
+          <a:lstStyle/>
+          <a:p>
+            <a:pPr algn="ctr"/>
+            <a:r>
+              <a:rPr lang="en-US" dirty="0" smtClean="0">
+                <a:solidFill>
+                  <a:schemeClr val="tx1"/>
+                </a:solidFill>
+              </a:rPr>
+              <a:t>Age</a:t>
+            </a:r>
+            <a:endParaRPr lang="en-US" dirty="0">
+              <a:solidFill>
+                <a:schemeClr val="tx1"/>
+              </a:solidFill>
+            </a:endParaRPr>
+          </a:p>
+        </p:txBody>
+      </p:sp>
+      <p:sp>
+        <p:nvSpPr>
+          <p:cNvPr id="9" name="Oval 8"/>
+          <p:cNvSpPr/>
+          <p:nvPr/>
+        </p:nvSpPr>
+        <p:spPr>
+          <a:xfrm>
+            <a:off x="1122633" y="4713357"/>
+            <a:ext cx="1435651" cy="795131"/>
+          </a:xfrm>
+          <a:prstGeom prst="ellipse">
+            <a:avLst/>
+          </a:prstGeom>
+          <a:noFill/>
+          <a:ln>
+            <a:solidFill>
+              <a:schemeClr val="tx1"/>
+            </a:solidFill>
+          </a:ln>
+          <a:effectLst/>
+        </p:spPr>
+        <p:style>
+          <a:lnRef idx="1">
+            <a:schemeClr val="accent1"/>
+          </a:lnRef>
+          <a:fillRef idx="3">
+            <a:schemeClr val="accent1"/>
+          </a:fillRef>
+          <a:effectRef idx="2">
+            <a:schemeClr val="accent1"/>
+          </a:effectRef>
+          <a:fontRef idx="minor">
+            <a:schemeClr val="lt1"/>
+          </a:fontRef>
+        </p:style>
+        <p:txBody>
+          <a:bodyPr rtlCol="0" anchor="ctr"/>
+          <a:lstStyle/>
+          <a:p>
+            <a:pPr algn="ctr"/>
+            <a:r>
+              <a:rPr lang="en-US" dirty="0" smtClean="0">
+                <a:solidFill>
+                  <a:schemeClr val="tx1"/>
+                </a:solidFill>
+              </a:rPr>
+              <a:t>Gender</a:t>
+            </a:r>
+            <a:endParaRPr lang="en-US" dirty="0">
+              <a:solidFill>
+                <a:schemeClr val="tx1"/>
+              </a:solidFill>
+            </a:endParaRPr>
+          </a:p>
+        </p:txBody>
+      </p:sp>
+      <p:sp>
+        <p:nvSpPr>
+          <p:cNvPr id="10" name="Oval 9"/>
+          <p:cNvSpPr/>
+          <p:nvPr/>
+        </p:nvSpPr>
+        <p:spPr>
+          <a:xfrm>
+            <a:off x="4425385" y="2012527"/>
+            <a:ext cx="1982353" cy="795131"/>
+          </a:xfrm>
+          <a:prstGeom prst="ellipse">
+            <a:avLst/>
+          </a:prstGeom>
+          <a:noFill/>
+          <a:ln>
+            <a:solidFill>
+              <a:schemeClr val="tx1"/>
+            </a:solidFill>
+          </a:ln>
+          <a:effectLst/>
+        </p:spPr>
+        <p:style>
+          <a:lnRef idx="1">
+            <a:schemeClr val="accent1"/>
+          </a:lnRef>
+          <a:fillRef idx="3">
+            <a:schemeClr val="accent1"/>
+          </a:fillRef>
+          <a:effectRef idx="2">
+            <a:schemeClr val="accent1"/>
+          </a:effectRef>
+          <a:fontRef idx="minor">
+            <a:schemeClr val="lt1"/>
+          </a:fontRef>
+        </p:style>
+        <p:txBody>
+          <a:bodyPr rtlCol="0" anchor="ctr"/>
+          <a:lstStyle/>
+          <a:p>
+            <a:pPr algn="ctr"/>
+            <a:r>
+              <a:rPr lang="en-US" dirty="0" smtClean="0">
+                <a:solidFill>
+                  <a:schemeClr val="tx1"/>
+                </a:solidFill>
+              </a:rPr>
+              <a:t>Severity of </a:t>
+            </a:r>
+          </a:p>
+          <a:p>
+            <a:pPr algn="ctr"/>
+            <a:r>
+              <a:rPr lang="en-US" dirty="0" smtClean="0">
+                <a:solidFill>
+                  <a:schemeClr val="tx1"/>
+                </a:solidFill>
+              </a:rPr>
+              <a:t>Illness</a:t>
+            </a:r>
+            <a:endParaRPr lang="en-US" dirty="0">
+              <a:solidFill>
+                <a:schemeClr val="tx1"/>
+              </a:solidFill>
+            </a:endParaRPr>
+          </a:p>
+        </p:txBody>
+      </p:sp>
+      <p:sp>
+        <p:nvSpPr>
+          <p:cNvPr id="13" name="Oval 12"/>
+          <p:cNvSpPr/>
+          <p:nvPr/>
+        </p:nvSpPr>
+        <p:spPr>
+          <a:xfrm>
+            <a:off x="6960917" y="4150130"/>
+            <a:ext cx="1901686" cy="795131"/>
+          </a:xfrm>
+          <a:prstGeom prst="ellipse">
+            <a:avLst/>
+          </a:prstGeom>
+          <a:noFill/>
+          <a:ln>
+            <a:solidFill>
+              <a:schemeClr val="tx1"/>
+            </a:solidFill>
+          </a:ln>
+          <a:effectLst/>
+        </p:spPr>
+        <p:style>
+          <a:lnRef idx="1">
+            <a:schemeClr val="accent1"/>
+          </a:lnRef>
+          <a:fillRef idx="3">
+            <a:schemeClr val="accent1"/>
+          </a:fillRef>
+          <a:effectRef idx="2">
+            <a:schemeClr val="accent1"/>
+          </a:effectRef>
+          <a:fontRef idx="minor">
+            <a:schemeClr val="lt1"/>
+          </a:fontRef>
+        </p:style>
+        <p:txBody>
+          <a:bodyPr rtlCol="0" anchor="ctr"/>
+          <a:lstStyle/>
+          <a:p>
+            <a:pPr algn="ctr"/>
+            <a:r>
+              <a:rPr lang="en-US" dirty="0" smtClean="0">
+                <a:solidFill>
+                  <a:schemeClr val="tx1"/>
+                </a:solidFill>
+              </a:rPr>
+              <a:t>Vasopressor</a:t>
+            </a:r>
+          </a:p>
+          <a:p>
+            <a:pPr algn="ctr"/>
+            <a:r>
+              <a:rPr lang="en-US" dirty="0" smtClean="0">
+                <a:solidFill>
+                  <a:schemeClr val="tx1"/>
+                </a:solidFill>
+              </a:rPr>
+              <a:t>Use</a:t>
+            </a:r>
+            <a:endParaRPr lang="en-US" dirty="0">
+              <a:solidFill>
+                <a:schemeClr val="tx1"/>
+              </a:solidFill>
+            </a:endParaRPr>
+          </a:p>
+        </p:txBody>
+      </p:sp>
+      <p:sp>
+        <p:nvSpPr>
+          <p:cNvPr id="14" name="Oval 13"/>
+          <p:cNvSpPr/>
+          <p:nvPr/>
+        </p:nvSpPr>
+        <p:spPr>
+          <a:xfrm>
+            <a:off x="5309390" y="5541617"/>
+            <a:ext cx="1651527" cy="795131"/>
+          </a:xfrm>
+          <a:prstGeom prst="ellipse">
+            <a:avLst/>
+          </a:prstGeom>
+          <a:noFill/>
+          <a:ln>
+            <a:solidFill>
+              <a:schemeClr val="tx1"/>
+            </a:solidFill>
+          </a:ln>
+          <a:effectLst/>
+        </p:spPr>
+        <p:style>
+          <a:lnRef idx="1">
+            <a:schemeClr val="accent1"/>
+          </a:lnRef>
+          <a:fillRef idx="3">
+            <a:schemeClr val="accent1"/>
+          </a:fillRef>
+          <a:effectRef idx="2">
+            <a:schemeClr val="accent1"/>
+          </a:effectRef>
+          <a:fontRef idx="minor">
+            <a:schemeClr val="lt1"/>
+          </a:fontRef>
+        </p:style>
+        <p:txBody>
+          <a:bodyPr rtlCol="0" anchor="ctr"/>
+          <a:lstStyle/>
+          <a:p>
+            <a:pPr algn="ctr"/>
+            <a:r>
+              <a:rPr lang="en-US" dirty="0" smtClean="0">
+                <a:solidFill>
+                  <a:schemeClr val="tx1"/>
+                </a:solidFill>
+              </a:rPr>
+              <a:t>28-day </a:t>
+            </a:r>
+          </a:p>
+          <a:p>
+            <a:pPr algn="ctr"/>
+            <a:r>
+              <a:rPr lang="en-US" dirty="0" smtClean="0">
+                <a:solidFill>
+                  <a:schemeClr val="tx1"/>
+                </a:solidFill>
+              </a:rPr>
+              <a:t>Mortality</a:t>
+            </a:r>
+            <a:endParaRPr lang="en-US" dirty="0">
+              <a:solidFill>
+                <a:schemeClr val="tx1"/>
+              </a:solidFill>
+            </a:endParaRPr>
+          </a:p>
+        </p:txBody>
+      </p:sp>
+      <p:sp>
+        <p:nvSpPr>
+          <p:cNvPr id="15" name="Oval 14"/>
+          <p:cNvSpPr/>
+          <p:nvPr/>
+        </p:nvSpPr>
+        <p:spPr>
+          <a:xfrm>
+            <a:off x="3805686" y="4199347"/>
+            <a:ext cx="1392531" cy="795131"/>
+          </a:xfrm>
+          <a:prstGeom prst="ellipse">
+            <a:avLst/>
+          </a:prstGeom>
+          <a:noFill/>
+          <a:ln>
+            <a:solidFill>
+              <a:schemeClr val="tx1"/>
+            </a:solidFill>
+          </a:ln>
+          <a:effectLst/>
+        </p:spPr>
+        <p:style>
+          <a:lnRef idx="1">
+            <a:schemeClr val="accent1"/>
+          </a:lnRef>
+          <a:fillRef idx="3">
+            <a:schemeClr val="accent1"/>
+          </a:fillRef>
+          <a:effectRef idx="2">
+            <a:schemeClr val="accent1"/>
+          </a:effectRef>
+          <a:fontRef idx="minor">
+            <a:schemeClr val="lt1"/>
+          </a:fontRef>
+        </p:style>
+        <p:txBody>
+          <a:bodyPr rtlCol="0" anchor="ctr"/>
+          <a:lstStyle/>
+          <a:p>
+            <a:pPr algn="ctr"/>
+            <a:r>
+              <a:rPr lang="en-US" dirty="0" smtClean="0">
+                <a:solidFill>
+                  <a:schemeClr val="tx1"/>
+                </a:solidFill>
+              </a:rPr>
+              <a:t>HDLVEF</a:t>
+            </a:r>
+            <a:endParaRPr lang="en-US" dirty="0">
+              <a:solidFill>
+                <a:schemeClr val="tx1"/>
+              </a:solidFill>
+            </a:endParaRPr>
+          </a:p>
+        </p:txBody>
+      </p:sp>
+      <p:cxnSp>
+        <p:nvCxnSpPr>
+          <p:cNvPr id="18" name="Curved Connector 17"/>
+          <p:cNvCxnSpPr>
+            <a:stCxn id="7" idx="7"/>
+            <a:endCxn id="10" idx="1"/>
+          </p:cNvCxnSpPr>
+          <p:nvPr/>
+        </p:nvCxnSpPr>
+        <p:spPr>
+          <a:xfrm rot="5400000" flipH="1" flipV="1">
+            <a:off x="3524130" y="937407"/>
+            <a:ext cx="12700" cy="2383128"/>
+          </a:xfrm>
+          <a:prstGeom prst="curvedConnector3">
+            <a:avLst>
+              <a:gd name="adj1" fmla="val 2716882"/>
+            </a:avLst>
+          </a:prstGeom>
+          <a:ln>
+            <a:solidFill>
+              <a:schemeClr val="tx1"/>
+            </a:solidFill>
+            <a:tailEnd type="arrow"/>
+          </a:ln>
+          <a:effectLst/>
+        </p:spPr>
+        <p:style>
+          <a:lnRef idx="2">
+            <a:schemeClr val="accent1"/>
+          </a:lnRef>
+          <a:fillRef idx="0">
+            <a:schemeClr val="accent1"/>
+          </a:fillRef>
+          <a:effectRef idx="1">
+            <a:schemeClr val="accent1"/>
+          </a:effectRef>
+          <a:fontRef idx="minor">
+            <a:schemeClr val="tx1"/>
+          </a:fontRef>
+        </p:style>
+      </p:cxnSp>
+      <p:cxnSp>
+        <p:nvCxnSpPr>
+          <p:cNvPr id="20" name="Curved Connector 19"/>
+          <p:cNvCxnSpPr>
+            <a:stCxn id="8" idx="7"/>
+            <a:endCxn id="10" idx="2"/>
+          </p:cNvCxnSpPr>
+          <p:nvPr/>
+        </p:nvCxnSpPr>
+        <p:spPr>
+          <a:xfrm rot="5400000" flipH="1" flipV="1">
+            <a:off x="2721568" y="1767626"/>
+            <a:ext cx="1061350" cy="2346284"/>
+          </a:xfrm>
+          <a:prstGeom prst="curvedConnector2">
+            <a:avLst/>
+          </a:prstGeom>
+          <a:ln>
+            <a:solidFill>
+              <a:schemeClr val="tx1"/>
+            </a:solidFill>
+            <a:tailEnd type="arrow"/>
+          </a:ln>
+          <a:effectLst/>
+        </p:spPr>
+        <p:style>
+          <a:lnRef idx="2">
+            <a:schemeClr val="accent1"/>
+          </a:lnRef>
+          <a:fillRef idx="0">
+            <a:schemeClr val="accent1"/>
+          </a:fillRef>
+          <a:effectRef idx="1">
+            <a:schemeClr val="accent1"/>
+          </a:effectRef>
+          <a:fontRef idx="minor">
+            <a:schemeClr val="tx1"/>
+          </a:fontRef>
+        </p:style>
+      </p:cxnSp>
+      <p:cxnSp>
+        <p:nvCxnSpPr>
+          <p:cNvPr id="26" name="Curved Connector 25"/>
+          <p:cNvCxnSpPr>
+            <a:stCxn id="7" idx="6"/>
+            <a:endCxn id="14" idx="0"/>
+          </p:cNvCxnSpPr>
+          <p:nvPr/>
+        </p:nvCxnSpPr>
+        <p:spPr>
+          <a:xfrm>
+            <a:off x="2622875" y="2410093"/>
+            <a:ext cx="3512279" cy="3131524"/>
+          </a:xfrm>
+          <a:prstGeom prst="curvedConnector2">
+            <a:avLst/>
+          </a:prstGeom>
+          <a:ln>
+            <a:solidFill>
+              <a:schemeClr val="tx1"/>
+            </a:solidFill>
+            <a:tailEnd type="arrow"/>
+          </a:ln>
+          <a:effectLst/>
+        </p:spPr>
+        <p:style>
+          <a:lnRef idx="2">
+            <a:schemeClr val="accent1"/>
+          </a:lnRef>
+          <a:fillRef idx="0">
+            <a:schemeClr val="accent1"/>
+          </a:fillRef>
+          <a:effectRef idx="1">
+            <a:schemeClr val="accent1"/>
+          </a:effectRef>
+          <a:fontRef idx="minor">
+            <a:schemeClr val="tx1"/>
+          </a:fontRef>
+        </p:style>
+      </p:cxnSp>
+      <p:cxnSp>
+        <p:nvCxnSpPr>
+          <p:cNvPr id="43" name="Straight Arrow Connector 42"/>
+          <p:cNvCxnSpPr>
+            <a:stCxn id="10" idx="4"/>
+            <a:endCxn id="13" idx="1"/>
+          </p:cNvCxnSpPr>
+          <p:nvPr/>
+        </p:nvCxnSpPr>
+        <p:spPr>
+          <a:xfrm>
+            <a:off x="5416562" y="2807658"/>
+            <a:ext cx="1822850" cy="1458916"/>
+          </a:xfrm>
+          <a:prstGeom prst="straightConnector1">
+            <a:avLst/>
+          </a:prstGeom>
+          <a:ln>
+            <a:solidFill>
+              <a:schemeClr val="tx1"/>
+            </a:solidFill>
+            <a:tailEnd type="arrow"/>
+          </a:ln>
+          <a:effectLst/>
+        </p:spPr>
+        <p:style>
+          <a:lnRef idx="2">
+            <a:schemeClr val="accent1"/>
+          </a:lnRef>
+          <a:fillRef idx="0">
+            <a:schemeClr val="accent1"/>
+          </a:fillRef>
+          <a:effectRef idx="1">
+            <a:schemeClr val="accent1"/>
+          </a:effectRef>
+          <a:fontRef idx="minor">
+            <a:schemeClr val="tx1"/>
+          </a:fontRef>
+        </p:style>
+      </p:cxnSp>
+      <p:cxnSp>
+        <p:nvCxnSpPr>
+          <p:cNvPr id="50" name="Straight Arrow Connector 49"/>
+          <p:cNvCxnSpPr>
+            <a:stCxn id="10" idx="4"/>
+            <a:endCxn id="15" idx="0"/>
+          </p:cNvCxnSpPr>
+          <p:nvPr/>
+        </p:nvCxnSpPr>
+        <p:spPr>
+          <a:xfrm flipH="1">
+            <a:off x="4501952" y="2807658"/>
+            <a:ext cx="914610" cy="1391689"/>
+          </a:xfrm>
+          <a:prstGeom prst="straightConnector1">
+            <a:avLst/>
+          </a:prstGeom>
+          <a:ln>
+            <a:solidFill>
+              <a:schemeClr val="tx1"/>
+            </a:solidFill>
+            <a:tailEnd type="arrow"/>
+          </a:ln>
+          <a:effectLst/>
+        </p:spPr>
+        <p:style>
+          <a:lnRef idx="2">
+            <a:schemeClr val="accent1"/>
+          </a:lnRef>
+          <a:fillRef idx="0">
+            <a:schemeClr val="accent1"/>
+          </a:fillRef>
+          <a:effectRef idx="1">
+            <a:schemeClr val="accent1"/>
+          </a:effectRef>
+          <a:fontRef idx="minor">
+            <a:schemeClr val="tx1"/>
+          </a:fontRef>
+        </p:style>
+      </p:cxnSp>
+      <p:cxnSp>
+        <p:nvCxnSpPr>
+          <p:cNvPr id="54" name="Straight Arrow Connector 53"/>
+          <p:cNvCxnSpPr>
+            <a:stCxn id="15" idx="5"/>
+            <a:endCxn id="14" idx="1"/>
+          </p:cNvCxnSpPr>
+          <p:nvPr/>
+        </p:nvCxnSpPr>
+        <p:spPr>
+          <a:xfrm>
+            <a:off x="4994286" y="4878034"/>
+            <a:ext cx="556965" cy="780027"/>
+          </a:xfrm>
+          <a:prstGeom prst="straightConnector1">
+            <a:avLst/>
+          </a:prstGeom>
+          <a:ln>
+            <a:solidFill>
+              <a:schemeClr val="tx1"/>
+            </a:solidFill>
+            <a:tailEnd type="arrow"/>
+          </a:ln>
+          <a:effectLst/>
+        </p:spPr>
+        <p:style>
+          <a:lnRef idx="2">
+            <a:schemeClr val="accent1"/>
+          </a:lnRef>
+          <a:fillRef idx="0">
+            <a:schemeClr val="accent1"/>
+          </a:fillRef>
+          <a:effectRef idx="1">
+            <a:schemeClr val="accent1"/>
+          </a:effectRef>
+          <a:fontRef idx="minor">
+            <a:schemeClr val="tx1"/>
+          </a:fontRef>
+        </p:style>
+      </p:cxnSp>
+      <p:cxnSp>
+        <p:nvCxnSpPr>
+          <p:cNvPr id="58" name="Straight Arrow Connector 57"/>
+          <p:cNvCxnSpPr>
+            <a:stCxn id="13" idx="3"/>
+            <a:endCxn id="14" idx="7"/>
+          </p:cNvCxnSpPr>
+          <p:nvPr/>
+        </p:nvCxnSpPr>
+        <p:spPr>
+          <a:xfrm flipH="1">
+            <a:off x="6719056" y="4828817"/>
+            <a:ext cx="520356" cy="829244"/>
+          </a:xfrm>
+          <a:prstGeom prst="straightConnector1">
+            <a:avLst/>
+          </a:prstGeom>
+          <a:ln>
+            <a:solidFill>
+              <a:schemeClr val="tx1"/>
+            </a:solidFill>
+            <a:tailEnd type="arrow"/>
+          </a:ln>
+          <a:effectLst/>
+        </p:spPr>
+        <p:style>
+          <a:lnRef idx="2">
+            <a:schemeClr val="accent1"/>
+          </a:lnRef>
+          <a:fillRef idx="0">
+            <a:schemeClr val="accent1"/>
+          </a:fillRef>
+          <a:effectRef idx="1">
+            <a:schemeClr val="accent1"/>
+          </a:effectRef>
+          <a:fontRef idx="minor">
+            <a:schemeClr val="tx1"/>
+          </a:fontRef>
+        </p:style>
+      </p:cxnSp>
+      <p:cxnSp>
+        <p:nvCxnSpPr>
+          <p:cNvPr id="72" name="Straight Arrow Connector 71"/>
+          <p:cNvCxnSpPr>
+            <a:stCxn id="13" idx="2"/>
+            <a:endCxn id="15" idx="6"/>
+          </p:cNvCxnSpPr>
+          <p:nvPr/>
+        </p:nvCxnSpPr>
+        <p:spPr>
+          <a:xfrm flipH="1">
+            <a:off x="5198217" y="4547696"/>
+            <a:ext cx="1762700" cy="49217"/>
+          </a:xfrm>
+          <a:prstGeom prst="straightConnector1">
+            <a:avLst/>
+          </a:prstGeom>
+          <a:ln>
+            <a:solidFill>
+              <a:schemeClr val="tx1"/>
+            </a:solidFill>
+            <a:tailEnd type="arrow"/>
+          </a:ln>
+          <a:effectLst/>
+        </p:spPr>
+        <p:style>
+          <a:lnRef idx="2">
+            <a:schemeClr val="accent1"/>
+          </a:lnRef>
+          <a:fillRef idx="0">
+            <a:schemeClr val="accent1"/>
+          </a:fillRef>
+          <a:effectRef idx="1">
+            <a:schemeClr val="accent1"/>
+          </a:effectRef>
+          <a:fontRef idx="minor">
+            <a:schemeClr val="tx1"/>
+          </a:fontRef>
+        </p:style>
+      </p:cxnSp>
+      <p:cxnSp>
+        <p:nvCxnSpPr>
+          <p:cNvPr id="94" name="Straight Arrow Connector 93"/>
+          <p:cNvCxnSpPr>
+            <a:stCxn id="9" idx="6"/>
+            <a:endCxn id="15" idx="3"/>
+          </p:cNvCxnSpPr>
+          <p:nvPr/>
+        </p:nvCxnSpPr>
+        <p:spPr>
+          <a:xfrm flipV="1">
+            <a:off x="2558284" y="4878034"/>
+            <a:ext cx="1451333" cy="232889"/>
+          </a:xfrm>
+          <a:prstGeom prst="straightConnector1">
+            <a:avLst/>
+          </a:prstGeom>
+          <a:ln>
+            <a:solidFill>
+              <a:schemeClr val="tx1"/>
+            </a:solidFill>
+            <a:tailEnd type="arrow"/>
+          </a:ln>
+          <a:effectLst/>
+        </p:spPr>
+        <p:style>
+          <a:lnRef idx="2">
+            <a:schemeClr val="accent1"/>
+          </a:lnRef>
+          <a:fillRef idx="0">
+            <a:schemeClr val="accent1"/>
+          </a:fillRef>
+          <a:effectRef idx="1">
+            <a:schemeClr val="accent1"/>
+          </a:effectRef>
+          <a:fontRef idx="minor">
+            <a:schemeClr val="tx1"/>
+          </a:fontRef>
+        </p:style>
+      </p:cxnSp>
+      <p:cxnSp>
+        <p:nvCxnSpPr>
+          <p:cNvPr id="97" name="Straight Arrow Connector 96"/>
+          <p:cNvCxnSpPr>
+            <a:stCxn id="8" idx="6"/>
+            <a:endCxn id="15" idx="1"/>
+          </p:cNvCxnSpPr>
+          <p:nvPr/>
+        </p:nvCxnSpPr>
+        <p:spPr>
+          <a:xfrm>
+            <a:off x="2270741" y="3752565"/>
+            <a:ext cx="1738876" cy="563226"/>
+          </a:xfrm>
+          <a:prstGeom prst="straightConnector1">
+            <a:avLst/>
+          </a:prstGeom>
+          <a:ln>
+            <a:solidFill>
+              <a:schemeClr val="tx1"/>
+            </a:solidFill>
+            <a:tailEnd type="arrow"/>
+          </a:ln>
+          <a:effectLst/>
+        </p:spPr>
+        <p:style>
+          <a:lnRef idx="2">
+            <a:schemeClr val="accent1"/>
+          </a:lnRef>
+          <a:fillRef idx="0">
+            <a:schemeClr val="accent1"/>
+          </a:fillRef>
+          <a:effectRef idx="1">
+            <a:schemeClr val="accent1"/>
+          </a:effectRef>
+          <a:fontRef idx="minor">
+            <a:schemeClr val="tx1"/>
+          </a:fontRef>
+        </p:style>
+      </p:cxnSp>
+      <p:cxnSp>
+        <p:nvCxnSpPr>
+          <p:cNvPr id="108" name="Straight Arrow Connector 107"/>
+          <p:cNvCxnSpPr>
+            <a:stCxn id="8" idx="5"/>
+            <a:endCxn id="14" idx="2"/>
+          </p:cNvCxnSpPr>
+          <p:nvPr/>
+        </p:nvCxnSpPr>
+        <p:spPr>
+          <a:xfrm>
+            <a:off x="2079101" y="4033686"/>
+            <a:ext cx="3230289" cy="1905497"/>
+          </a:xfrm>
+          <a:prstGeom prst="straightConnector1">
+            <a:avLst/>
+          </a:prstGeom>
+          <a:ln>
+            <a:solidFill>
+              <a:schemeClr val="tx1"/>
+            </a:solidFill>
+            <a:tailEnd type="arrow"/>
+          </a:ln>
+          <a:effectLst/>
+        </p:spPr>
+        <p:style>
+          <a:lnRef idx="2">
+            <a:schemeClr val="accent1"/>
+          </a:lnRef>
+          <a:fillRef idx="0">
+            <a:schemeClr val="accent1"/>
+          </a:fillRef>
+          <a:effectRef idx="1">
+            <a:schemeClr val="accent1"/>
+          </a:effectRef>
+          <a:fontRef idx="minor">
+            <a:schemeClr val="tx1"/>
+          </a:fontRef>
+        </p:style>
+      </p:cxnSp>
+      <p:cxnSp>
+        <p:nvCxnSpPr>
+          <p:cNvPr id="129" name="Straight Arrow Connector 128"/>
+          <p:cNvCxnSpPr>
+            <a:stCxn id="10" idx="4"/>
+            <a:endCxn id="14" idx="1"/>
+          </p:cNvCxnSpPr>
+          <p:nvPr/>
+        </p:nvCxnSpPr>
+        <p:spPr>
+          <a:xfrm>
+            <a:off x="5416562" y="2807658"/>
+            <a:ext cx="134689" cy="2850403"/>
+          </a:xfrm>
+          <a:prstGeom prst="straightConnector1">
+            <a:avLst/>
+          </a:prstGeom>
+          <a:ln>
+            <a:solidFill>
+              <a:schemeClr val="tx1"/>
+            </a:solidFill>
+            <a:tailEnd type="arrow"/>
+          </a:ln>
+          <a:effectLst/>
+        </p:spPr>
+        <p:style>
+          <a:lnRef idx="2">
+            <a:schemeClr val="accent1"/>
+          </a:lnRef>
+          <a:fillRef idx="0">
+            <a:schemeClr val="accent1"/>
+          </a:fillRef>
+          <a:effectRef idx="1">
+            <a:schemeClr val="accent1"/>
+          </a:effectRef>
+          <a:fontRef idx="minor">
+            <a:schemeClr val="tx1"/>
+          </a:fontRef>
+        </p:style>
+      </p:cxnSp>
+      <p:cxnSp>
+        <p:nvCxnSpPr>
+          <p:cNvPr id="131" name="Straight Arrow Connector 130"/>
+          <p:cNvCxnSpPr>
+            <a:stCxn id="9" idx="5"/>
+            <a:endCxn id="14" idx="2"/>
+          </p:cNvCxnSpPr>
+          <p:nvPr/>
+        </p:nvCxnSpPr>
+        <p:spPr>
+          <a:xfrm>
+            <a:off x="2348038" y="5392044"/>
+            <a:ext cx="2961352" cy="547139"/>
+          </a:xfrm>
+          <a:prstGeom prst="straightConnector1">
+            <a:avLst/>
+          </a:prstGeom>
+          <a:ln>
+            <a:solidFill>
+              <a:schemeClr val="tx1"/>
+            </a:solidFill>
+            <a:tailEnd type="arrow"/>
+          </a:ln>
+          <a:effectLst/>
+        </p:spPr>
+        <p:style>
+          <a:lnRef idx="2">
+            <a:schemeClr val="accent1"/>
+          </a:lnRef>
+          <a:fillRef idx="0">
+            <a:schemeClr val="accent1"/>
+          </a:fillRef>
+          <a:effectRef idx="1">
+            <a:schemeClr val="accent1"/>
+          </a:effectRef>
+          <a:fontRef idx="minor">
+            <a:schemeClr val="tx1"/>
+          </a:fontRef>
+        </p:style>
+      </p:cxnSp>
+      <p:cxnSp>
+        <p:nvCxnSpPr>
+          <p:cNvPr id="143" name="Straight Arrow Connector 142"/>
+          <p:cNvCxnSpPr>
+            <a:stCxn id="7" idx="5"/>
+            <a:endCxn id="15" idx="1"/>
+          </p:cNvCxnSpPr>
+          <p:nvPr/>
+        </p:nvCxnSpPr>
+        <p:spPr>
+          <a:xfrm>
+            <a:off x="2332566" y="2691214"/>
+            <a:ext cx="1677051" cy="1624577"/>
+          </a:xfrm>
+          <a:prstGeom prst="straightConnector1">
+            <a:avLst/>
+          </a:prstGeom>
+          <a:ln>
+            <a:solidFill>
+              <a:schemeClr val="tx1"/>
+            </a:solidFill>
+            <a:tailEnd type="arrow"/>
+          </a:ln>
+          <a:effectLst/>
+        </p:spPr>
+        <p:style>
+          <a:lnRef idx="2">
+            <a:schemeClr val="accent1"/>
+          </a:lnRef>
+          <a:fillRef idx="0">
+            <a:schemeClr val="accent1"/>
+          </a:fillRef>
+          <a:effectRef idx="1">
+            <a:schemeClr val="accent1"/>
+          </a:effectRef>
+          <a:fontRef idx="minor">
+            <a:schemeClr val="tx1"/>
+          </a:fontRef>
+        </p:style>
+      </p:cxnSp>
+      <p:sp>
+        <p:nvSpPr>
+          <p:cNvPr id="2" name="TextBox 1"/>
+          <p:cNvSpPr txBox="1"/>
+          <p:nvPr/>
+        </p:nvSpPr>
+        <p:spPr>
+          <a:xfrm>
+            <a:off x="7329306" y="33549"/>
+            <a:ext cx="1814694" cy="369332"/>
+          </a:xfrm>
+          <a:prstGeom prst="rect">
+            <a:avLst/>
+          </a:prstGeom>
+          <a:noFill/>
+        </p:spPr>
+        <p:txBody>
+          <a:bodyPr wrap="none" rtlCol="0">
+            <a:spAutoFit/>
+          </a:bodyPr>
+          <a:lstStyle/>
+          <a:p>
+            <a:r>
+              <a:rPr lang="en-US" dirty="0" smtClean="0"/>
+              <a:t>October 23, 2014</a:t>
+            </a:r>
+            <a:endParaRPr lang="en-US" dirty="0"/>
+          </a:p>
+        </p:txBody>
+      </p:sp>
+      <p:sp>
+        <p:nvSpPr>
+          <p:cNvPr id="39" name="Oval 38"/>
+          <p:cNvSpPr/>
+          <p:nvPr/>
+        </p:nvSpPr>
+        <p:spPr>
+          <a:xfrm>
+            <a:off x="6686233" y="2749810"/>
+            <a:ext cx="1901686" cy="795131"/>
+          </a:xfrm>
+          <a:prstGeom prst="ellipse">
+            <a:avLst/>
+          </a:prstGeom>
+          <a:noFill/>
+          <a:ln>
+            <a:solidFill>
+              <a:schemeClr val="tx1"/>
+            </a:solidFill>
+          </a:ln>
+          <a:effectLst/>
+        </p:spPr>
+        <p:style>
+          <a:lnRef idx="1">
+            <a:schemeClr val="accent1"/>
+          </a:lnRef>
+          <a:fillRef idx="3">
+            <a:schemeClr val="accent1"/>
+          </a:fillRef>
+          <a:effectRef idx="2">
+            <a:schemeClr val="accent1"/>
+          </a:effectRef>
+          <a:fontRef idx="minor">
+            <a:schemeClr val="lt1"/>
+          </a:fontRef>
+        </p:style>
+        <p:txBody>
+          <a:bodyPr rtlCol="0" anchor="ctr"/>
+          <a:lstStyle/>
+          <a:p>
+            <a:pPr algn="ctr"/>
+            <a:r>
+              <a:rPr lang="en-US" dirty="0" smtClean="0">
+                <a:solidFill>
+                  <a:schemeClr val="tx1"/>
+                </a:solidFill>
+              </a:rPr>
+              <a:t>Ventilated</a:t>
+            </a:r>
+          </a:p>
+        </p:txBody>
+      </p:sp>
+      <p:cxnSp>
+        <p:nvCxnSpPr>
+          <p:cNvPr id="42" name="Straight Arrow Connector 41"/>
+          <p:cNvCxnSpPr>
+            <a:stCxn id="10" idx="5"/>
+            <a:endCxn id="39" idx="2"/>
+          </p:cNvCxnSpPr>
+          <p:nvPr/>
+        </p:nvCxnSpPr>
+        <p:spPr>
+          <a:xfrm>
+            <a:off x="6117429" y="2691214"/>
+            <a:ext cx="568804" cy="456162"/>
+          </a:xfrm>
+          <a:prstGeom prst="straightConnector1">
+            <a:avLst/>
+          </a:prstGeom>
+          <a:ln>
+            <a:solidFill>
+              <a:schemeClr val="tx1"/>
+            </a:solidFill>
+            <a:tailEnd type="arrow"/>
+          </a:ln>
+          <a:effectLst/>
+        </p:spPr>
+        <p:style>
+          <a:lnRef idx="2">
+            <a:schemeClr val="accent1"/>
+          </a:lnRef>
+          <a:fillRef idx="0">
+            <a:schemeClr val="accent1"/>
+          </a:fillRef>
+          <a:effectRef idx="1">
+            <a:schemeClr val="accent1"/>
+          </a:effectRef>
+          <a:fontRef idx="minor">
+            <a:schemeClr val="tx1"/>
+          </a:fontRef>
+        </p:style>
+      </p:cxnSp>
+      <p:cxnSp>
+        <p:nvCxnSpPr>
+          <p:cNvPr id="51" name="Straight Arrow Connector 50"/>
+          <p:cNvCxnSpPr>
+            <a:stCxn id="39" idx="3"/>
+            <a:endCxn id="14" idx="0"/>
+          </p:cNvCxnSpPr>
+          <p:nvPr/>
+        </p:nvCxnSpPr>
+        <p:spPr>
+          <a:xfrm flipH="1">
+            <a:off x="6135154" y="3428497"/>
+            <a:ext cx="829574" cy="2113120"/>
+          </a:xfrm>
+          <a:prstGeom prst="straightConnector1">
+            <a:avLst/>
+          </a:prstGeom>
+          <a:ln>
+            <a:solidFill>
+              <a:schemeClr val="tx1"/>
+            </a:solidFill>
+            <a:tailEnd type="arrow"/>
+          </a:ln>
+          <a:effectLst/>
+        </p:spPr>
+        <p:style>
+          <a:lnRef idx="2">
+            <a:schemeClr val="accent1"/>
+          </a:lnRef>
+          <a:fillRef idx="0">
+            <a:schemeClr val="accent1"/>
+          </a:fillRef>
+          <a:effectRef idx="1">
+            <a:schemeClr val="accent1"/>
+          </a:effectRef>
+          <a:fontRef idx="minor">
+            <a:schemeClr val="tx1"/>
+          </a:fontRef>
+        </p:style>
+      </p:cxnSp>
+      <p:cxnSp>
+        <p:nvCxnSpPr>
+          <p:cNvPr id="63" name="Straight Arrow Connector 62"/>
+          <p:cNvCxnSpPr>
+            <a:stCxn id="39" idx="3"/>
+            <a:endCxn id="15" idx="7"/>
+          </p:cNvCxnSpPr>
+          <p:nvPr/>
+        </p:nvCxnSpPr>
+        <p:spPr>
+          <a:xfrm flipH="1">
+            <a:off x="4994286" y="3428497"/>
+            <a:ext cx="1970442" cy="887294"/>
+          </a:xfrm>
+          <a:prstGeom prst="straightConnector1">
+            <a:avLst/>
+          </a:prstGeom>
+          <a:ln>
+            <a:solidFill>
+              <a:schemeClr val="tx1"/>
+            </a:solidFill>
+            <a:tailEnd type="arrow"/>
+          </a:ln>
+          <a:effectLst/>
+        </p:spPr>
+        <p:style>
+          <a:lnRef idx="2">
+            <a:schemeClr val="accent1"/>
+          </a:lnRef>
+          <a:fillRef idx="0">
+            <a:schemeClr val="accent1"/>
+          </a:fillRef>
+          <a:effectRef idx="1">
+            <a:schemeClr val="accent1"/>
+          </a:effectRef>
+          <a:fontRef idx="minor">
+            <a:schemeClr val="tx1"/>
+          </a:fontRef>
+        </p:style>
+      </p:cxnSp>
+    </p:spTree>
+    <p:extLst>
+      <p:ext uri="{BB962C8B-B14F-4D97-AF65-F5344CB8AC3E}">
+        <p14:creationId xmlns:p14="http://schemas.microsoft.com/office/powerpoint/2010/main" val="3325099077"/>
       </p:ext>
     </p:extLst>
   </p:cSld>

--- a/figure/dag.pptx
+++ b/figure/dag.pptx
@@ -290,7 +290,7 @@
           <a:p>
             <a:fld id="{9B4E7E55-DEF9-F146-9A51-7945C7879981}" type="datetimeFigureOut">
               <a:rPr lang="en-US" smtClean="0"/>
-              <a:t>10/24/14</a:t>
+              <a:t>11/26/14</a:t>
             </a:fld>
             <a:endParaRPr lang="en-US"/>
           </a:p>
@@ -460,7 +460,7 @@
           <a:p>
             <a:fld id="{9B4E7E55-DEF9-F146-9A51-7945C7879981}" type="datetimeFigureOut">
               <a:rPr lang="en-US" smtClean="0"/>
-              <a:t>10/24/14</a:t>
+              <a:t>11/26/14</a:t>
             </a:fld>
             <a:endParaRPr lang="en-US"/>
           </a:p>
@@ -640,7 +640,7 @@
           <a:p>
             <a:fld id="{9B4E7E55-DEF9-F146-9A51-7945C7879981}" type="datetimeFigureOut">
               <a:rPr lang="en-US" smtClean="0"/>
-              <a:t>10/24/14</a:t>
+              <a:t>11/26/14</a:t>
             </a:fld>
             <a:endParaRPr lang="en-US"/>
           </a:p>
@@ -810,7 +810,7 @@
           <a:p>
             <a:fld id="{9B4E7E55-DEF9-F146-9A51-7945C7879981}" type="datetimeFigureOut">
               <a:rPr lang="en-US" smtClean="0"/>
-              <a:t>10/24/14</a:t>
+              <a:t>11/26/14</a:t>
             </a:fld>
             <a:endParaRPr lang="en-US"/>
           </a:p>
@@ -1056,7 +1056,7 @@
           <a:p>
             <a:fld id="{9B4E7E55-DEF9-F146-9A51-7945C7879981}" type="datetimeFigureOut">
               <a:rPr lang="en-US" smtClean="0"/>
-              <a:t>10/24/14</a:t>
+              <a:t>11/26/14</a:t>
             </a:fld>
             <a:endParaRPr lang="en-US"/>
           </a:p>
@@ -1344,7 +1344,7 @@
           <a:p>
             <a:fld id="{9B4E7E55-DEF9-F146-9A51-7945C7879981}" type="datetimeFigureOut">
               <a:rPr lang="en-US" smtClean="0"/>
-              <a:t>10/24/14</a:t>
+              <a:t>11/26/14</a:t>
             </a:fld>
             <a:endParaRPr lang="en-US"/>
           </a:p>
@@ -1766,7 +1766,7 @@
           <a:p>
             <a:fld id="{9B4E7E55-DEF9-F146-9A51-7945C7879981}" type="datetimeFigureOut">
               <a:rPr lang="en-US" smtClean="0"/>
-              <a:t>10/24/14</a:t>
+              <a:t>11/26/14</a:t>
             </a:fld>
             <a:endParaRPr lang="en-US"/>
           </a:p>
@@ -1884,7 +1884,7 @@
           <a:p>
             <a:fld id="{9B4E7E55-DEF9-F146-9A51-7945C7879981}" type="datetimeFigureOut">
               <a:rPr lang="en-US" smtClean="0"/>
-              <a:t>10/24/14</a:t>
+              <a:t>11/26/14</a:t>
             </a:fld>
             <a:endParaRPr lang="en-US"/>
           </a:p>
@@ -1979,7 +1979,7 @@
           <a:p>
             <a:fld id="{9B4E7E55-DEF9-F146-9A51-7945C7879981}" type="datetimeFigureOut">
               <a:rPr lang="en-US" smtClean="0"/>
-              <a:t>10/24/14</a:t>
+              <a:t>11/26/14</a:t>
             </a:fld>
             <a:endParaRPr lang="en-US"/>
           </a:p>
@@ -2256,7 +2256,7 @@
           <a:p>
             <a:fld id="{9B4E7E55-DEF9-F146-9A51-7945C7879981}" type="datetimeFigureOut">
               <a:rPr lang="en-US" smtClean="0"/>
-              <a:t>10/24/14</a:t>
+              <a:t>11/26/14</a:t>
             </a:fld>
             <a:endParaRPr lang="en-US"/>
           </a:p>
@@ -2509,7 +2509,7 @@
           <a:p>
             <a:fld id="{9B4E7E55-DEF9-F146-9A51-7945C7879981}" type="datetimeFigureOut">
               <a:rPr lang="en-US" smtClean="0"/>
-              <a:t>10/24/14</a:t>
+              <a:t>11/26/14</a:t>
             </a:fld>
             <a:endParaRPr lang="en-US"/>
           </a:p>
@@ -2722,7 +2722,7 @@
           <a:p>
             <a:fld id="{9B4E7E55-DEF9-F146-9A51-7945C7879981}" type="datetimeFigureOut">
               <a:rPr lang="en-US" smtClean="0"/>
-              <a:t>10/24/14</a:t>
+              <a:t>11/26/14</a:t>
             </a:fld>
             <a:endParaRPr lang="en-US"/>
           </a:p>
@@ -6798,46 +6798,6 @@
           <a:xfrm>
             <a:off x="5416562" y="2807658"/>
             <a:ext cx="134689" cy="2850403"/>
-          </a:xfrm>
-          <a:prstGeom prst="straightConnector1">
-            <a:avLst/>
-          </a:prstGeom>
-          <a:ln>
-            <a:solidFill>
-              <a:schemeClr val="tx1"/>
-            </a:solidFill>
-            <a:tailEnd type="arrow"/>
-          </a:ln>
-          <a:effectLst/>
-        </p:spPr>
-        <p:style>
-          <a:lnRef idx="2">
-            <a:schemeClr val="accent1"/>
-          </a:lnRef>
-          <a:fillRef idx="0">
-            <a:schemeClr val="accent1"/>
-          </a:fillRef>
-          <a:effectRef idx="1">
-            <a:schemeClr val="accent1"/>
-          </a:effectRef>
-          <a:fontRef idx="minor">
-            <a:schemeClr val="tx1"/>
-          </a:fontRef>
-        </p:style>
-      </p:cxnSp>
-      <p:cxnSp>
-        <p:nvCxnSpPr>
-          <p:cNvPr id="131" name="Straight Arrow Connector 130"/>
-          <p:cNvCxnSpPr>
-            <a:stCxn id="9" idx="5"/>
-            <a:endCxn id="14" idx="2"/>
-          </p:cNvCxnSpPr>
-          <p:nvPr/>
-        </p:nvCxnSpPr>
-        <p:spPr>
-          <a:xfrm>
-            <a:off x="2348038" y="5392044"/>
-            <a:ext cx="2961352" cy="547139"/>
           </a:xfrm>
           <a:prstGeom prst="straightConnector1">
             <a:avLst/>
